--- a/Sunular/06.02.Kontrol İşlemleri.İlişkisel Döngüler.pptx
+++ b/Sunular/06.02.Kontrol İşlemleri.İlişkisel Döngüler.pptx
@@ -641,18 +641,7 @@
           <a:bodyPr/>
           <a:lstStyle/>
           <a:p>
-            <a:r>
-              <a:rPr lang="tr-TR" dirty="0"/>
-              <a:t>Bu slaytlardaki örnekler, Muhammet </a:t>
-            </a:r>
-            <a:r>
-              <a:rPr lang="tr-TR" dirty="0" err="1"/>
-              <a:t>YORULMAZ’ın</a:t>
-            </a:r>
-            <a:r>
-              <a:rPr lang="tr-TR" dirty="0"/>
-              <a:t> sunularından alınmıştır.</a:t>
-            </a:r>
+            <a:endParaRPr lang="tr-TR" dirty="0"/>
           </a:p>
         </p:txBody>
       </p:sp>
